--- a/2020.12.18_OneOnOneUpdates.pptx
+++ b/2020.12.18_OneOnOneUpdates.pptx
@@ -215,7 +215,7 @@
           <a:p>
             <a:fld id="{95422CEA-2134-C54D-B545-5847DA6C4A8E}" type="datetimeFigureOut">
               <a:rPr lang="en-US" smtClean="0"/>
-              <a:t>12/18/20</a:t>
+              <a:t>3/8/21</a:t>
             </a:fld>
             <a:endParaRPr lang="en-US"/>
           </a:p>
@@ -836,7 +836,7 @@
             <a:fld id="{A549ADDE-98E8-4149-84E6-9A28F99CE161}" type="datetimeFigureOut">
               <a:rPr lang="en-US" smtClean="0"/>
               <a:pPr/>
-              <a:t>12/18/20</a:t>
+              <a:t>3/8/21</a:t>
             </a:fld>
             <a:endParaRPr lang="en-US"/>
           </a:p>
@@ -1011,7 +1011,7 @@
             <a:fld id="{A549ADDE-98E8-4149-84E6-9A28F99CE161}" type="datetimeFigureOut">
               <a:rPr lang="en-US" smtClean="0"/>
               <a:pPr/>
-              <a:t>12/18/20</a:t>
+              <a:t>3/8/21</a:t>
             </a:fld>
             <a:endParaRPr lang="en-US"/>
           </a:p>
@@ -1176,7 +1176,7 @@
             <a:fld id="{A549ADDE-98E8-4149-84E6-9A28F99CE161}" type="datetimeFigureOut">
               <a:rPr lang="en-US" smtClean="0"/>
               <a:pPr/>
-              <a:t>12/18/20</a:t>
+              <a:t>3/8/21</a:t>
             </a:fld>
             <a:endParaRPr lang="en-US"/>
           </a:p>
@@ -1419,7 +1419,7 @@
             <a:fld id="{A549ADDE-98E8-4149-84E6-9A28F99CE161}" type="datetimeFigureOut">
               <a:rPr lang="en-US" smtClean="0"/>
               <a:pPr/>
-              <a:t>12/18/20</a:t>
+              <a:t>3/8/21</a:t>
             </a:fld>
             <a:endParaRPr lang="en-US"/>
           </a:p>
@@ -1701,7 +1701,7 @@
             <a:fld id="{A549ADDE-98E8-4149-84E6-9A28F99CE161}" type="datetimeFigureOut">
               <a:rPr lang="en-US" smtClean="0"/>
               <a:pPr/>
-              <a:t>12/18/20</a:t>
+              <a:t>3/8/21</a:t>
             </a:fld>
             <a:endParaRPr lang="en-US"/>
           </a:p>
@@ -2117,7 +2117,7 @@
             <a:fld id="{A549ADDE-98E8-4149-84E6-9A28F99CE161}" type="datetimeFigureOut">
               <a:rPr lang="en-US" smtClean="0"/>
               <a:pPr/>
-              <a:t>12/18/20</a:t>
+              <a:t>3/8/21</a:t>
             </a:fld>
             <a:endParaRPr lang="en-US"/>
           </a:p>
@@ -2299,7 +2299,7 @@
             <a:fld id="{A549ADDE-98E8-4149-84E6-9A28F99CE161}" type="datetimeFigureOut">
               <a:rPr lang="en-US" smtClean="0"/>
               <a:pPr/>
-              <a:t>12/18/20</a:t>
+              <a:t>3/8/21</a:t>
             </a:fld>
             <a:endParaRPr lang="en-US"/>
           </a:p>
@@ -2571,7 +2571,7 @@
             <a:fld id="{A549ADDE-98E8-4149-84E6-9A28F99CE161}" type="datetimeFigureOut">
               <a:rPr lang="en-US" smtClean="0"/>
               <a:pPr/>
-              <a:t>12/18/20</a:t>
+              <a:t>3/8/21</a:t>
             </a:fld>
             <a:endParaRPr lang="en-US"/>
           </a:p>
@@ -2823,7 +2823,7 @@
             <a:fld id="{A549ADDE-98E8-4149-84E6-9A28F99CE161}" type="datetimeFigureOut">
               <a:rPr lang="en-US" smtClean="0"/>
               <a:pPr/>
-              <a:t>12/18/20</a:t>
+              <a:t>3/8/21</a:t>
             </a:fld>
             <a:endParaRPr lang="en-US"/>
           </a:p>
@@ -3033,7 +3033,7 @@
             <a:fld id="{A549ADDE-98E8-4149-84E6-9A28F99CE161}" type="datetimeFigureOut">
               <a:rPr lang="en-US" smtClean="0"/>
               <a:pPr/>
-              <a:t>12/18/20</a:t>
+              <a:t>3/8/21</a:t>
             </a:fld>
             <a:endParaRPr lang="en-US"/>
           </a:p>
